--- a/Docxs/確定仕様書1.pptx
+++ b/Docxs/確定仕様書1.pptx
@@ -234,7 +234,7 @@
           <a:p>
             <a:fld id="{8C50A024-DC51-4954-9ED6-7A3D663A3395}" type="datetimeFigureOut">
               <a:rPr kumimoji="1" lang="ja-JP" altLang="en-US" smtClean="0"/>
-              <a:t>2018/10/4</a:t>
+              <a:t>2018/10/18</a:t>
             </a:fld>
             <a:endParaRPr kumimoji="1" lang="ja-JP" altLang="en-US"/>
           </a:p>
@@ -680,7 +680,7 @@
           <a:p>
             <a:fld id="{F7D118B0-B51F-4D0C-AEFF-295220A4BFC2}" type="datetimeFigureOut">
               <a:rPr kumimoji="1" lang="ja-JP" altLang="en-US" smtClean="0"/>
-              <a:t>2018/10/4</a:t>
+              <a:t>2018/10/18</a:t>
             </a:fld>
             <a:endParaRPr kumimoji="1" lang="ja-JP" altLang="en-US"/>
           </a:p>
@@ -910,7 +910,7 @@
           <a:p>
             <a:fld id="{F7D118B0-B51F-4D0C-AEFF-295220A4BFC2}" type="datetimeFigureOut">
               <a:rPr kumimoji="1" lang="ja-JP" altLang="en-US" smtClean="0"/>
-              <a:t>2018/10/4</a:t>
+              <a:t>2018/10/18</a:t>
             </a:fld>
             <a:endParaRPr kumimoji="1" lang="ja-JP" altLang="en-US"/>
           </a:p>
@@ -1150,7 +1150,7 @@
           <a:p>
             <a:fld id="{F7D118B0-B51F-4D0C-AEFF-295220A4BFC2}" type="datetimeFigureOut">
               <a:rPr kumimoji="1" lang="ja-JP" altLang="en-US" smtClean="0"/>
-              <a:t>2018/10/4</a:t>
+              <a:t>2018/10/18</a:t>
             </a:fld>
             <a:endParaRPr kumimoji="1" lang="ja-JP" altLang="en-US"/>
           </a:p>
@@ -1380,7 +1380,7 @@
           <a:p>
             <a:fld id="{F7D118B0-B51F-4D0C-AEFF-295220A4BFC2}" type="datetimeFigureOut">
               <a:rPr kumimoji="1" lang="ja-JP" altLang="en-US" smtClean="0"/>
-              <a:t>2018/10/4</a:t>
+              <a:t>2018/10/18</a:t>
             </a:fld>
             <a:endParaRPr kumimoji="1" lang="ja-JP" altLang="en-US"/>
           </a:p>
@@ -1655,7 +1655,7 @@
           <a:p>
             <a:fld id="{F7D118B0-B51F-4D0C-AEFF-295220A4BFC2}" type="datetimeFigureOut">
               <a:rPr kumimoji="1" lang="ja-JP" altLang="en-US" smtClean="0"/>
-              <a:t>2018/10/4</a:t>
+              <a:t>2018/10/18</a:t>
             </a:fld>
             <a:endParaRPr kumimoji="1" lang="ja-JP" altLang="en-US"/>
           </a:p>
@@ -1984,7 +1984,7 @@
           <a:p>
             <a:fld id="{F7D118B0-B51F-4D0C-AEFF-295220A4BFC2}" type="datetimeFigureOut">
               <a:rPr kumimoji="1" lang="ja-JP" altLang="en-US" smtClean="0"/>
-              <a:t>2018/10/4</a:t>
+              <a:t>2018/10/18</a:t>
             </a:fld>
             <a:endParaRPr kumimoji="1" lang="ja-JP" altLang="en-US"/>
           </a:p>
@@ -2460,7 +2460,7 @@
           <a:p>
             <a:fld id="{F7D118B0-B51F-4D0C-AEFF-295220A4BFC2}" type="datetimeFigureOut">
               <a:rPr kumimoji="1" lang="ja-JP" altLang="en-US" smtClean="0"/>
-              <a:t>2018/10/4</a:t>
+              <a:t>2018/10/18</a:t>
             </a:fld>
             <a:endParaRPr kumimoji="1" lang="ja-JP" altLang="en-US"/>
           </a:p>
@@ -2601,7 +2601,7 @@
           <a:p>
             <a:fld id="{F7D118B0-B51F-4D0C-AEFF-295220A4BFC2}" type="datetimeFigureOut">
               <a:rPr kumimoji="1" lang="ja-JP" altLang="en-US" smtClean="0"/>
-              <a:t>2018/10/4</a:t>
+              <a:t>2018/10/18</a:t>
             </a:fld>
             <a:endParaRPr kumimoji="1" lang="ja-JP" altLang="en-US"/>
           </a:p>
@@ -2714,7 +2714,7 @@
           <a:p>
             <a:fld id="{F7D118B0-B51F-4D0C-AEFF-295220A4BFC2}" type="datetimeFigureOut">
               <a:rPr kumimoji="1" lang="ja-JP" altLang="en-US" smtClean="0"/>
-              <a:t>2018/10/4</a:t>
+              <a:t>2018/10/18</a:t>
             </a:fld>
             <a:endParaRPr kumimoji="1" lang="ja-JP" altLang="en-US"/>
           </a:p>
@@ -3057,7 +3057,7 @@
           <a:p>
             <a:fld id="{F7D118B0-B51F-4D0C-AEFF-295220A4BFC2}" type="datetimeFigureOut">
               <a:rPr kumimoji="1" lang="ja-JP" altLang="en-US" smtClean="0"/>
-              <a:t>2018/10/4</a:t>
+              <a:t>2018/10/18</a:t>
             </a:fld>
             <a:endParaRPr kumimoji="1" lang="ja-JP" altLang="en-US"/>
           </a:p>
@@ -3345,7 +3345,7 @@
           <a:p>
             <a:fld id="{F7D118B0-B51F-4D0C-AEFF-295220A4BFC2}" type="datetimeFigureOut">
               <a:rPr kumimoji="1" lang="ja-JP" altLang="en-US" smtClean="0"/>
-              <a:t>2018/10/4</a:t>
+              <a:t>2018/10/18</a:t>
             </a:fld>
             <a:endParaRPr kumimoji="1" lang="ja-JP" altLang="en-US"/>
           </a:p>
@@ -3618,7 +3618,7 @@
           <a:p>
             <a:fld id="{F7D118B0-B51F-4D0C-AEFF-295220A4BFC2}" type="datetimeFigureOut">
               <a:rPr kumimoji="1" lang="ja-JP" altLang="en-US" smtClean="0"/>
-              <a:t>2018/10/4</a:t>
+              <a:t>2018/10/18</a:t>
             </a:fld>
             <a:endParaRPr kumimoji="1" lang="ja-JP" altLang="en-US"/>
           </a:p>
@@ -4250,7 +4250,7 @@
           </a:lstStyle>
           <a:p>
             <a:r>
-              <a:rPr lang="en-US" altLang="ja-JP" sz="8000" b="1">
+              <a:rPr lang="en-US" altLang="ja-JP" sz="8000" b="1" dirty="0">
                 <a:gradFill>
                   <a:gsLst>
                     <a:gs pos="55000">
@@ -4275,7 +4275,7 @@
               <a:t>See of </a:t>
             </a:r>
             <a:r>
-              <a:rPr lang="en-US" altLang="ja-JP" sz="8000" b="1">
+              <a:rPr lang="en-US" altLang="ja-JP" sz="8000" b="1" dirty="0">
                 <a:gradFill>
                   <a:gsLst>
                     <a:gs pos="0">
@@ -4303,24 +4303,24 @@
               <a:t>Chimera</a:t>
             </a:r>
             <a:r>
-              <a:rPr lang="en-US" altLang="ja-JP" sz="8000" b="1">
+              <a:rPr lang="en-US" altLang="ja-JP" sz="8000" b="1" dirty="0">
                 <a:latin typeface="Papyrus" panose="03070502060502030205" pitchFamily="66" charset="0"/>
               </a:rPr>
               <a:t> </a:t>
             </a:r>
             <a:br>
-              <a:rPr lang="en-US" altLang="ja-JP" sz="8000" b="1">
+              <a:rPr lang="en-US" altLang="ja-JP" sz="8000" b="1" dirty="0">
                 <a:latin typeface="Papyrus" panose="03070502060502030205" pitchFamily="66" charset="0"/>
               </a:rPr>
             </a:br>
             <a:r>
-              <a:rPr lang="en-US" altLang="ja-JP" sz="8000" b="1">
+              <a:rPr lang="en-US" altLang="ja-JP" sz="8000" b="1" dirty="0">
                 <a:latin typeface="Papyrus" panose="03070502060502030205" pitchFamily="66" charset="0"/>
               </a:rPr>
               <a:t> </a:t>
             </a:r>
             <a:r>
-              <a:rPr lang="en-US" altLang="ja-JP" sz="8000" b="1">
+              <a:rPr lang="en-US" altLang="ja-JP" sz="8000" b="1" dirty="0" err="1">
                 <a:gradFill flip="none" rotWithShape="1">
                   <a:gsLst>
                     <a:gs pos="0">
@@ -4344,13 +4344,13 @@
               <a:t>Predat</a:t>
             </a:r>
             <a:r>
-              <a:rPr lang="en-US" altLang="ja-JP" sz="8000" b="1">
+              <a:rPr lang="en-US" altLang="ja-JP" sz="8000" b="1" dirty="0">
                 <a:latin typeface="Papyrus" panose="03070502060502030205" pitchFamily="66" charset="0"/>
               </a:rPr>
               <a:t> </a:t>
             </a:r>
             <a:r>
-              <a:rPr lang="en-US" altLang="ja-JP" sz="8000" b="1">
+              <a:rPr lang="en-US" altLang="ja-JP" sz="8000" b="1" dirty="0">
                 <a:gradFill>
                   <a:gsLst>
                     <a:gs pos="55000">
@@ -20348,7 +20348,7 @@
         </p:nvSpPr>
         <p:spPr>
           <a:xfrm>
-            <a:off x="6382143" y="2858693"/>
+            <a:off x="5988872" y="2529440"/>
             <a:ext cx="719092" cy="711742"/>
           </a:xfrm>
           <a:prstGeom prst="ellipse">
@@ -20677,6 +20677,199 @@
           </a:p>
         </p:txBody>
       </p:sp>
+      <p:sp>
+        <p:nvSpPr>
+          <p:cNvPr id="3" name="正方形/長方形 2">
+            <a:extLst>
+              <a:ext uri="{FF2B5EF4-FFF2-40B4-BE49-F238E27FC236}">
+                <a16:creationId xmlns:a16="http://schemas.microsoft.com/office/drawing/2014/main" id="{7855BA82-C829-42DF-B706-F67FB97B8575}"/>
+              </a:ext>
+            </a:extLst>
+          </p:cNvPr>
+          <p:cNvSpPr/>
+          <p:nvPr/>
+        </p:nvSpPr>
+        <p:spPr>
+          <a:xfrm>
+            <a:off x="4135692" y="1714575"/>
+            <a:ext cx="1702531" cy="943777"/>
+          </a:xfrm>
+          <a:prstGeom prst="rect">
+            <a:avLst/>
+          </a:prstGeom>
+          <a:solidFill>
+            <a:srgbClr val="002060"/>
+          </a:solidFill>
+        </p:spPr>
+        <p:style>
+          <a:lnRef idx="2">
+            <a:schemeClr val="accent1">
+              <a:shade val="50000"/>
+            </a:schemeClr>
+          </a:lnRef>
+          <a:fillRef idx="1">
+            <a:schemeClr val="accent1"/>
+          </a:fillRef>
+          <a:effectRef idx="0">
+            <a:schemeClr val="accent1"/>
+          </a:effectRef>
+          <a:fontRef idx="minor">
+            <a:schemeClr val="lt1"/>
+          </a:fontRef>
+        </p:style>
+        <p:txBody>
+          <a:bodyPr rtlCol="0" anchor="ctr"/>
+          <a:lstStyle/>
+          <a:p>
+            <a:pPr algn="ctr"/>
+            <a:endParaRPr kumimoji="1" lang="ja-JP" altLang="en-US" dirty="0"/>
+          </a:p>
+        </p:txBody>
+      </p:sp>
+      <p:sp>
+        <p:nvSpPr>
+          <p:cNvPr id="51" name="正方形/長方形 50">
+            <a:extLst>
+              <a:ext uri="{FF2B5EF4-FFF2-40B4-BE49-F238E27FC236}">
+                <a16:creationId xmlns:a16="http://schemas.microsoft.com/office/drawing/2014/main" id="{B712F27A-DC17-49D9-B770-88E96CB9FA30}"/>
+              </a:ext>
+            </a:extLst>
+          </p:cNvPr>
+          <p:cNvSpPr/>
+          <p:nvPr/>
+        </p:nvSpPr>
+        <p:spPr>
+          <a:xfrm>
+            <a:off x="2143038" y="5100935"/>
+            <a:ext cx="4238203" cy="1794640"/>
+          </a:xfrm>
+          <a:prstGeom prst="rect">
+            <a:avLst/>
+          </a:prstGeom>
+          <a:solidFill>
+            <a:srgbClr val="002060"/>
+          </a:solidFill>
+        </p:spPr>
+        <p:style>
+          <a:lnRef idx="2">
+            <a:schemeClr val="accent1">
+              <a:shade val="50000"/>
+            </a:schemeClr>
+          </a:lnRef>
+          <a:fillRef idx="1">
+            <a:schemeClr val="accent1"/>
+          </a:fillRef>
+          <a:effectRef idx="0">
+            <a:schemeClr val="accent1"/>
+          </a:effectRef>
+          <a:fontRef idx="minor">
+            <a:schemeClr val="lt1"/>
+          </a:fontRef>
+        </p:style>
+        <p:txBody>
+          <a:bodyPr rtlCol="0" anchor="ctr"/>
+          <a:lstStyle/>
+          <a:p>
+            <a:pPr algn="ctr"/>
+            <a:endParaRPr kumimoji="1" lang="ja-JP" altLang="en-US" dirty="0"/>
+          </a:p>
+        </p:txBody>
+      </p:sp>
+      <p:sp>
+        <p:nvSpPr>
+          <p:cNvPr id="52" name="正方形/長方形 51">
+            <a:extLst>
+              <a:ext uri="{FF2B5EF4-FFF2-40B4-BE49-F238E27FC236}">
+                <a16:creationId xmlns:a16="http://schemas.microsoft.com/office/drawing/2014/main" id="{50AE36EC-B93E-4960-B2D4-8C106F2FB1F5}"/>
+              </a:ext>
+            </a:extLst>
+          </p:cNvPr>
+          <p:cNvSpPr/>
+          <p:nvPr/>
+        </p:nvSpPr>
+        <p:spPr>
+          <a:xfrm>
+            <a:off x="2397627" y="4204647"/>
+            <a:ext cx="1702531" cy="943777"/>
+          </a:xfrm>
+          <a:prstGeom prst="rect">
+            <a:avLst/>
+          </a:prstGeom>
+          <a:solidFill>
+            <a:srgbClr val="002060"/>
+          </a:solidFill>
+        </p:spPr>
+        <p:style>
+          <a:lnRef idx="2">
+            <a:schemeClr val="accent1">
+              <a:shade val="50000"/>
+            </a:schemeClr>
+          </a:lnRef>
+          <a:fillRef idx="1">
+            <a:schemeClr val="accent1"/>
+          </a:fillRef>
+          <a:effectRef idx="0">
+            <a:schemeClr val="accent1"/>
+          </a:effectRef>
+          <a:fontRef idx="minor">
+            <a:schemeClr val="lt1"/>
+          </a:fontRef>
+        </p:style>
+        <p:txBody>
+          <a:bodyPr rtlCol="0" anchor="ctr"/>
+          <a:lstStyle/>
+          <a:p>
+            <a:pPr algn="ctr"/>
+            <a:endParaRPr kumimoji="1" lang="ja-JP" altLang="en-US" dirty="0"/>
+          </a:p>
+        </p:txBody>
+      </p:sp>
+      <p:cxnSp>
+        <p:nvCxnSpPr>
+          <p:cNvPr id="12" name="直線矢印コネクタ 11">
+            <a:extLst>
+              <a:ext uri="{FF2B5EF4-FFF2-40B4-BE49-F238E27FC236}">
+                <a16:creationId xmlns:a16="http://schemas.microsoft.com/office/drawing/2014/main" id="{6B910A70-31AD-4391-B9D8-E2731F370A29}"/>
+              </a:ext>
+            </a:extLst>
+          </p:cNvPr>
+          <p:cNvCxnSpPr>
+            <a:cxnSpLocks/>
+          </p:cNvCxnSpPr>
+          <p:nvPr/>
+        </p:nvCxnSpPr>
+        <p:spPr>
+          <a:xfrm flipH="1">
+            <a:off x="5457294" y="3375416"/>
+            <a:ext cx="1250670" cy="22915"/>
+          </a:xfrm>
+          <a:prstGeom prst="straightConnector1">
+            <a:avLst/>
+          </a:prstGeom>
+          <a:ln w="76200">
+            <a:solidFill>
+              <a:schemeClr val="bg2">
+                <a:lumMod val="10000"/>
+              </a:schemeClr>
+            </a:solidFill>
+            <a:tailEnd type="triangle"/>
+          </a:ln>
+        </p:spPr>
+        <p:style>
+          <a:lnRef idx="1">
+            <a:schemeClr val="accent1"/>
+          </a:lnRef>
+          <a:fillRef idx="0">
+            <a:schemeClr val="accent1"/>
+          </a:fillRef>
+          <a:effectRef idx="0">
+            <a:schemeClr val="accent1"/>
+          </a:effectRef>
+          <a:fontRef idx="minor">
+            <a:schemeClr val="tx1"/>
+          </a:fontRef>
+        </p:style>
+      </p:cxnSp>
     </p:spTree>
     <p:extLst>
       <p:ext uri="{BB962C8B-B14F-4D97-AF65-F5344CB8AC3E}">

--- a/Docxs/確定仕様書1.pptx
+++ b/Docxs/確定仕様書1.pptx
@@ -236,7 +236,7 @@
           <a:p>
             <a:fld id="{8C50A024-DC51-4954-9ED6-7A3D663A3395}" type="datetimeFigureOut">
               <a:rPr kumimoji="1" lang="ja-JP" altLang="en-US" smtClean="0"/>
-              <a:t>2018/10/25</a:t>
+              <a:t>2018/12/9</a:t>
             </a:fld>
             <a:endParaRPr kumimoji="1" lang="ja-JP" altLang="en-US"/>
           </a:p>
@@ -682,7 +682,7 @@
           <a:p>
             <a:fld id="{F7D118B0-B51F-4D0C-AEFF-295220A4BFC2}" type="datetimeFigureOut">
               <a:rPr kumimoji="1" lang="ja-JP" altLang="en-US" smtClean="0"/>
-              <a:t>2018/10/25</a:t>
+              <a:t>2018/12/9</a:t>
             </a:fld>
             <a:endParaRPr kumimoji="1" lang="ja-JP" altLang="en-US"/>
           </a:p>
@@ -912,7 +912,7 @@
           <a:p>
             <a:fld id="{F7D118B0-B51F-4D0C-AEFF-295220A4BFC2}" type="datetimeFigureOut">
               <a:rPr kumimoji="1" lang="ja-JP" altLang="en-US" smtClean="0"/>
-              <a:t>2018/10/25</a:t>
+              <a:t>2018/12/9</a:t>
             </a:fld>
             <a:endParaRPr kumimoji="1" lang="ja-JP" altLang="en-US"/>
           </a:p>
@@ -1152,7 +1152,7 @@
           <a:p>
             <a:fld id="{F7D118B0-B51F-4D0C-AEFF-295220A4BFC2}" type="datetimeFigureOut">
               <a:rPr kumimoji="1" lang="ja-JP" altLang="en-US" smtClean="0"/>
-              <a:t>2018/10/25</a:t>
+              <a:t>2018/12/9</a:t>
             </a:fld>
             <a:endParaRPr kumimoji="1" lang="ja-JP" altLang="en-US"/>
           </a:p>
@@ -1382,7 +1382,7 @@
           <a:p>
             <a:fld id="{F7D118B0-B51F-4D0C-AEFF-295220A4BFC2}" type="datetimeFigureOut">
               <a:rPr kumimoji="1" lang="ja-JP" altLang="en-US" smtClean="0"/>
-              <a:t>2018/10/25</a:t>
+              <a:t>2018/12/9</a:t>
             </a:fld>
             <a:endParaRPr kumimoji="1" lang="ja-JP" altLang="en-US"/>
           </a:p>
@@ -1657,7 +1657,7 @@
           <a:p>
             <a:fld id="{F7D118B0-B51F-4D0C-AEFF-295220A4BFC2}" type="datetimeFigureOut">
               <a:rPr kumimoji="1" lang="ja-JP" altLang="en-US" smtClean="0"/>
-              <a:t>2018/10/25</a:t>
+              <a:t>2018/12/9</a:t>
             </a:fld>
             <a:endParaRPr kumimoji="1" lang="ja-JP" altLang="en-US"/>
           </a:p>
@@ -1986,7 +1986,7 @@
           <a:p>
             <a:fld id="{F7D118B0-B51F-4D0C-AEFF-295220A4BFC2}" type="datetimeFigureOut">
               <a:rPr kumimoji="1" lang="ja-JP" altLang="en-US" smtClean="0"/>
-              <a:t>2018/10/25</a:t>
+              <a:t>2018/12/9</a:t>
             </a:fld>
             <a:endParaRPr kumimoji="1" lang="ja-JP" altLang="en-US"/>
           </a:p>
@@ -2462,7 +2462,7 @@
           <a:p>
             <a:fld id="{F7D118B0-B51F-4D0C-AEFF-295220A4BFC2}" type="datetimeFigureOut">
               <a:rPr kumimoji="1" lang="ja-JP" altLang="en-US" smtClean="0"/>
-              <a:t>2018/10/25</a:t>
+              <a:t>2018/12/9</a:t>
             </a:fld>
             <a:endParaRPr kumimoji="1" lang="ja-JP" altLang="en-US"/>
           </a:p>
@@ -2603,7 +2603,7 @@
           <a:p>
             <a:fld id="{F7D118B0-B51F-4D0C-AEFF-295220A4BFC2}" type="datetimeFigureOut">
               <a:rPr kumimoji="1" lang="ja-JP" altLang="en-US" smtClean="0"/>
-              <a:t>2018/10/25</a:t>
+              <a:t>2018/12/9</a:t>
             </a:fld>
             <a:endParaRPr kumimoji="1" lang="ja-JP" altLang="en-US"/>
           </a:p>
@@ -2716,7 +2716,7 @@
           <a:p>
             <a:fld id="{F7D118B0-B51F-4D0C-AEFF-295220A4BFC2}" type="datetimeFigureOut">
               <a:rPr kumimoji="1" lang="ja-JP" altLang="en-US" smtClean="0"/>
-              <a:t>2018/10/25</a:t>
+              <a:t>2018/12/9</a:t>
             </a:fld>
             <a:endParaRPr kumimoji="1" lang="ja-JP" altLang="en-US"/>
           </a:p>
@@ -3059,7 +3059,7 @@
           <a:p>
             <a:fld id="{F7D118B0-B51F-4D0C-AEFF-295220A4BFC2}" type="datetimeFigureOut">
               <a:rPr kumimoji="1" lang="ja-JP" altLang="en-US" smtClean="0"/>
-              <a:t>2018/10/25</a:t>
+              <a:t>2018/12/9</a:t>
             </a:fld>
             <a:endParaRPr kumimoji="1" lang="ja-JP" altLang="en-US"/>
           </a:p>
@@ -3347,7 +3347,7 @@
           <a:p>
             <a:fld id="{F7D118B0-B51F-4D0C-AEFF-295220A4BFC2}" type="datetimeFigureOut">
               <a:rPr kumimoji="1" lang="ja-JP" altLang="en-US" smtClean="0"/>
-              <a:t>2018/10/25</a:t>
+              <a:t>2018/12/9</a:t>
             </a:fld>
             <a:endParaRPr kumimoji="1" lang="ja-JP" altLang="en-US"/>
           </a:p>
@@ -3620,7 +3620,7 @@
           <a:p>
             <a:fld id="{F7D118B0-B51F-4D0C-AEFF-295220A4BFC2}" type="datetimeFigureOut">
               <a:rPr kumimoji="1" lang="ja-JP" altLang="en-US" smtClean="0"/>
-              <a:t>2018/10/25</a:t>
+              <a:t>2018/12/9</a:t>
             </a:fld>
             <a:endParaRPr kumimoji="1" lang="ja-JP" altLang="en-US"/>
           </a:p>
@@ -4086,7 +4086,7 @@
         </p:nvSpPr>
         <p:spPr>
           <a:xfrm>
-            <a:off x="8064177" y="309084"/>
+            <a:off x="8064177" y="291328"/>
             <a:ext cx="3879884" cy="1848767"/>
           </a:xfrm>
           <a:prstGeom prst="roundRect">
@@ -4129,22 +4129,7 @@
                   <a:srgbClr val="FF0000"/>
                 </a:solidFill>
               </a:rPr>
-              <a:t>最終的なキメラの種類と数</a:t>
-            </a:r>
-            <a:endParaRPr kumimoji="1" lang="en-US" altLang="ja-JP" sz="1200" b="1" dirty="0">
-              <a:solidFill>
-                <a:srgbClr val="FF0000"/>
-              </a:solidFill>
-            </a:endParaRPr>
-          </a:p>
-          <a:p>
-            <a:r>
-              <a:rPr lang="ja-JP" altLang="en-US" sz="1200" b="1" dirty="0">
-                <a:solidFill>
-                  <a:srgbClr val="FF0000"/>
-                </a:solidFill>
-              </a:rPr>
-              <a:t>合成パターン</a:t>
+              <a:t>最終的なキメラの種類</a:t>
             </a:r>
             <a:endParaRPr lang="en-US" altLang="ja-JP" sz="1200" b="1" dirty="0">
               <a:solidFill>
@@ -4193,216 +4178,6 @@
       </p:sp>
       <p:sp>
         <p:nvSpPr>
-          <p:cNvPr id="5" name="タイトル 1">
-            <a:extLst>
-              <a:ext uri="{FF2B5EF4-FFF2-40B4-BE49-F238E27FC236}">
-                <a16:creationId xmlns:a16="http://schemas.microsoft.com/office/drawing/2014/main" id="{291B6139-A3AE-4B0B-9444-A7636F455E8D}"/>
-              </a:ext>
-            </a:extLst>
-          </p:cNvPr>
-          <p:cNvSpPr txBox="1">
-            <a:spLocks/>
-          </p:cNvSpPr>
-          <p:nvPr/>
-        </p:nvSpPr>
-        <p:spPr>
-          <a:xfrm>
-            <a:off x="1194045" y="1002113"/>
-            <a:ext cx="9144000" cy="2542297"/>
-          </a:xfrm>
-          <a:prstGeom prst="rect">
-            <a:avLst/>
-          </a:prstGeom>
-          <a:noFill/>
-          <a:ln w="28575">
-            <a:solidFill>
-              <a:schemeClr val="tx1"/>
-            </a:solidFill>
-          </a:ln>
-          <a:effectLst>
-            <a:outerShdw blurRad="50800" dist="38100" dir="8100000" algn="tr" rotWithShape="0">
-              <a:prstClr val="black">
-                <a:alpha val="40000"/>
-              </a:prstClr>
-            </a:outerShdw>
-          </a:effectLst>
-        </p:spPr>
-        <p:txBody>
-          <a:bodyPr vert="horz" lIns="91440" tIns="45720" rIns="91440" bIns="45720" rtlCol="0" anchor="b">
-            <a:normAutofit/>
-          </a:bodyPr>
-          <a:lstStyle>
-            <a:lvl1pPr algn="ctr" defTabSz="914400" rtl="0" eaLnBrk="1" latinLnBrk="0" hangingPunct="1">
-              <a:lnSpc>
-                <a:spcPct val="90000"/>
-              </a:lnSpc>
-              <a:spcBef>
-                <a:spcPct val="0"/>
-              </a:spcBef>
-              <a:buNone/>
-              <a:defRPr kumimoji="1" sz="6000" kern="1200">
-                <a:solidFill>
-                  <a:schemeClr val="tx1"/>
-                </a:solidFill>
-                <a:latin typeface="+mj-lt"/>
-                <a:ea typeface="+mj-ea"/>
-                <a:cs typeface="+mj-cs"/>
-              </a:defRPr>
-            </a:lvl1pPr>
-          </a:lstStyle>
-          <a:p>
-            <a:r>
-              <a:rPr lang="en-US" altLang="ja-JP" sz="8000" b="1" dirty="0">
-                <a:gradFill>
-                  <a:gsLst>
-                    <a:gs pos="55000">
-                      <a:srgbClr val="373737"/>
-                    </a:gs>
-                    <a:gs pos="30000">
-                      <a:srgbClr val="6D6D6D"/>
-                    </a:gs>
-                    <a:gs pos="0">
-                      <a:schemeClr val="bg1">
-                        <a:lumMod val="85000"/>
-                      </a:schemeClr>
-                    </a:gs>
-                    <a:gs pos="100000">
-                      <a:schemeClr val="tx1"/>
-                    </a:gs>
-                  </a:gsLst>
-                  <a:lin ang="16200000" scaled="1"/>
-                </a:gradFill>
-                <a:latin typeface="Papyrus" panose="03070502060502030205" pitchFamily="66" charset="0"/>
-              </a:rPr>
-              <a:t>See of </a:t>
-            </a:r>
-            <a:r>
-              <a:rPr lang="en-US" altLang="ja-JP" sz="8000" b="1" dirty="0">
-                <a:gradFill>
-                  <a:gsLst>
-                    <a:gs pos="0">
-                      <a:srgbClr val="418752"/>
-                    </a:gs>
-                    <a:gs pos="98000">
-                      <a:schemeClr val="accent6">
-                        <a:lumMod val="40000"/>
-                        <a:lumOff val="60000"/>
-                      </a:schemeClr>
-                    </a:gs>
-                    <a:gs pos="42000">
-                      <a:srgbClr val="418752">
-                        <a:alpha val="80000"/>
-                      </a:srgbClr>
-                    </a:gs>
-                    <a:gs pos="81000">
-                      <a:schemeClr val="tx1"/>
-                    </a:gs>
-                  </a:gsLst>
-                  <a:lin ang="16200000" scaled="1"/>
-                </a:gradFill>
-                <a:latin typeface="Papyrus" panose="03070502060502030205" pitchFamily="66" charset="0"/>
-              </a:rPr>
-              <a:t>Chimera</a:t>
-            </a:r>
-            <a:r>
-              <a:rPr lang="en-US" altLang="ja-JP" sz="8000" b="1" dirty="0">
-                <a:latin typeface="Papyrus" panose="03070502060502030205" pitchFamily="66" charset="0"/>
-              </a:rPr>
-              <a:t> </a:t>
-            </a:r>
-            <a:br>
-              <a:rPr lang="en-US" altLang="ja-JP" sz="8000" b="1" dirty="0">
-                <a:latin typeface="Papyrus" panose="03070502060502030205" pitchFamily="66" charset="0"/>
-              </a:rPr>
-            </a:br>
-            <a:r>
-              <a:rPr lang="en-US" altLang="ja-JP" sz="8000" b="1" dirty="0">
-                <a:latin typeface="Papyrus" panose="03070502060502030205" pitchFamily="66" charset="0"/>
-              </a:rPr>
-              <a:t> </a:t>
-            </a:r>
-            <a:r>
-              <a:rPr lang="en-US" altLang="ja-JP" sz="8000" b="1" dirty="0" err="1">
-                <a:gradFill flip="none" rotWithShape="1">
-                  <a:gsLst>
-                    <a:gs pos="0">
-                      <a:srgbClr val="9E2222"/>
-                    </a:gs>
-                    <a:gs pos="27000">
-                      <a:srgbClr val="C00000">
-                        <a:lumMod val="90000"/>
-                        <a:lumOff val="10000"/>
-                      </a:srgbClr>
-                    </a:gs>
-                    <a:gs pos="100000">
-                      <a:schemeClr val="tx1"/>
-                    </a:gs>
-                  </a:gsLst>
-                  <a:lin ang="16200000" scaled="1"/>
-                  <a:tileRect/>
-                </a:gradFill>
-                <a:latin typeface="Papyrus" panose="03070502060502030205" pitchFamily="66" charset="0"/>
-              </a:rPr>
-              <a:t>Predat</a:t>
-            </a:r>
-            <a:r>
-              <a:rPr lang="en-US" altLang="ja-JP" sz="8000" b="1" dirty="0">
-                <a:latin typeface="Papyrus" panose="03070502060502030205" pitchFamily="66" charset="0"/>
-              </a:rPr>
-              <a:t> </a:t>
-            </a:r>
-            <a:r>
-              <a:rPr lang="en-US" altLang="ja-JP" sz="8000" b="1" dirty="0">
-                <a:gradFill>
-                  <a:gsLst>
-                    <a:gs pos="55000">
-                      <a:srgbClr val="373737"/>
-                    </a:gs>
-                    <a:gs pos="30000">
-                      <a:srgbClr val="6D6D6D"/>
-                    </a:gs>
-                    <a:gs pos="0">
-                      <a:schemeClr val="bg1">
-                        <a:lumMod val="85000"/>
-                      </a:schemeClr>
-                    </a:gs>
-                    <a:gs pos="100000">
-                      <a:schemeClr val="tx1"/>
-                    </a:gs>
-                  </a:gsLst>
-                  <a:lin ang="16200000" scaled="1"/>
-                </a:gradFill>
-                <a:latin typeface="Papyrus" panose="03070502060502030205" pitchFamily="66" charset="0"/>
-              </a:rPr>
-              <a:t>Ranch</a:t>
-            </a:r>
-            <a:endParaRPr lang="ja-JP" altLang="en-US" sz="8000" b="1" dirty="0">
-              <a:gradFill>
-                <a:gsLst>
-                  <a:gs pos="55000">
-                    <a:srgbClr val="373737"/>
-                  </a:gs>
-                  <a:gs pos="30000">
-                    <a:srgbClr val="6D6D6D"/>
-                  </a:gs>
-                  <a:gs pos="0">
-                    <a:schemeClr val="bg1">
-                      <a:lumMod val="85000"/>
-                    </a:schemeClr>
-                  </a:gs>
-                  <a:gs pos="100000">
-                    <a:schemeClr val="tx1"/>
-                  </a:gs>
-                </a:gsLst>
-                <a:lin ang="16200000" scaled="1"/>
-              </a:gradFill>
-              <a:latin typeface="Papyrus" panose="03070502060502030205" pitchFamily="66" charset="0"/>
-            </a:endParaRPr>
-          </a:p>
-        </p:txBody>
-      </p:sp>
-      <p:sp>
-        <p:nvSpPr>
           <p:cNvPr id="6" name="テキスト ボックス 5">
             <a:extLst>
               <a:ext uri="{FF2B5EF4-FFF2-40B4-BE49-F238E27FC236}">
@@ -4442,86 +4217,6 @@
               <a:t>muC</a:t>
             </a:r>
             <a:endParaRPr kumimoji="1" lang="ja-JP" altLang="en-US" sz="6000" dirty="0">
-              <a:latin typeface="Segoe Script" panose="030B0504020000000003" pitchFamily="66" charset="0"/>
-            </a:endParaRPr>
-          </a:p>
-        </p:txBody>
-      </p:sp>
-      <p:sp>
-        <p:nvSpPr>
-          <p:cNvPr id="7" name="字幕 2">
-            <a:extLst>
-              <a:ext uri="{FF2B5EF4-FFF2-40B4-BE49-F238E27FC236}">
-                <a16:creationId xmlns:a16="http://schemas.microsoft.com/office/drawing/2014/main" id="{99846FF8-F3C5-48F9-B23A-59D70F8253CA}"/>
-              </a:ext>
-            </a:extLst>
-          </p:cNvPr>
-          <p:cNvSpPr>
-            <a:spLocks noGrp="1"/>
-          </p:cNvSpPr>
-          <p:nvPr>
-            <p:ph type="subTitle" idx="1"/>
-          </p:nvPr>
-        </p:nvSpPr>
-        <p:spPr>
-          <a:xfrm>
-            <a:off x="1124504" y="5162365"/>
-            <a:ext cx="9144000" cy="440573"/>
-          </a:xfrm>
-        </p:spPr>
-        <p:txBody>
-          <a:bodyPr/>
-          <a:lstStyle/>
-          <a:p>
-            <a:r>
-              <a:rPr kumimoji="1" lang="en-US" altLang="ja-JP" i="1" u="sng" dirty="0">
-                <a:latin typeface="Segoe Script" panose="030B0504020000000003" pitchFamily="66" charset="0"/>
-              </a:rPr>
-              <a:t>Hiroki</a:t>
-            </a:r>
-            <a:r>
-              <a:rPr kumimoji="1" lang="en-US" altLang="ja-JP" dirty="0">
-                <a:latin typeface="Segoe Script" panose="030B0504020000000003" pitchFamily="66" charset="0"/>
-              </a:rPr>
-              <a:t> </a:t>
-            </a:r>
-            <a:r>
-              <a:rPr lang="en-US" altLang="ja-JP" dirty="0">
-                <a:latin typeface="Segoe Script" panose="030B0504020000000003" pitchFamily="66" charset="0"/>
-              </a:rPr>
-              <a:t>/ </a:t>
-            </a:r>
-            <a:r>
-              <a:rPr kumimoji="1" lang="en-US" altLang="ja-JP" i="1" u="sng" dirty="0">
-                <a:latin typeface="Segoe Script" panose="030B0504020000000003" pitchFamily="66" charset="0"/>
-              </a:rPr>
-              <a:t>Kazuma</a:t>
-            </a:r>
-            <a:r>
-              <a:rPr kumimoji="1" lang="en-US" altLang="ja-JP" dirty="0">
-                <a:latin typeface="Segoe Script" panose="030B0504020000000003" pitchFamily="66" charset="0"/>
-              </a:rPr>
-              <a:t> </a:t>
-            </a:r>
-            <a:r>
-              <a:rPr lang="en-US" altLang="ja-JP" dirty="0">
-                <a:latin typeface="Segoe Script" panose="030B0504020000000003" pitchFamily="66" charset="0"/>
-              </a:rPr>
-              <a:t>/ </a:t>
-            </a:r>
-            <a:r>
-              <a:rPr lang="en-US" altLang="ja-JP" i="1" u="sng" dirty="0" err="1">
-                <a:latin typeface="Segoe Script" panose="030B0504020000000003" pitchFamily="66" charset="0"/>
-              </a:rPr>
-              <a:t>H</a:t>
-            </a:r>
-            <a:r>
-              <a:rPr kumimoji="1" lang="en-US" altLang="ja-JP" i="1" u="sng" dirty="0" err="1">
-                <a:latin typeface="Segoe Script" panose="030B0504020000000003" pitchFamily="66" charset="0"/>
-              </a:rPr>
-              <a:t>iiro</a:t>
-            </a:r>
-            <a:endParaRPr kumimoji="1" lang="ja-JP" altLang="en-US" i="1" u="sng" dirty="0">
               <a:latin typeface="Segoe Script" panose="030B0504020000000003" pitchFamily="66" charset="0"/>
             </a:endParaRPr>
           </a:p>
